--- a/week1/演示.pptx
+++ b/week1/演示.pptx
@@ -560,29 +560,6 @@
             </a:r>
             <a:endParaRPr lang="zh-CN" altLang="en-US"/>
           </a:p>
-          <a:p>
-            <a:r>
-              <a:rPr lang="zh-CN" altLang="en-US"/>
-              <a:t>这里的</a:t>
-            </a:r>
-            <a:r>
-              <a:rPr lang="en-US" altLang="zh-CN"/>
-              <a:t>chip</a:t>
-            </a:r>
-            <a:r>
-              <a:rPr lang="zh-CN" altLang="en-US"/>
-              <a:t>方法把基因切成小的片段，因此可以分别筛选每个</a:t>
-            </a:r>
-            <a:r>
-              <a:rPr lang="en-US" altLang="zh-CN"/>
-              <a:t>SNP</a:t>
-            </a:r>
-            <a:r>
-              <a:rPr lang="zh-CN" altLang="en-US"/>
-              <a:t>。等位基因也是一个非常小的区域。</a:t>
-            </a:r>
-            <a:endParaRPr lang="zh-CN" altLang="en-US"/>
-          </a:p>
         </p:txBody>
       </p:sp>
     </p:spTree>
@@ -626,17 +603,42 @@
           <a:bodyPr/>
           <a:p>
             <a:r>
+              <a:rPr lang="zh-CN" altLang="en-US"/>
+              <a:t>作者用杂合子样本，杂合指的是</a:t>
+            </a:r>
+            <a:r>
               <a:rPr lang="en-US" altLang="zh-CN"/>
-              <a:t>act in the expected direction????</a:t>
-            </a:r>
-            <a:endParaRPr lang="en-US" altLang="zh-CN"/>
-          </a:p>
-          <a:p>
-            <a:r>
-              <a:rPr lang="zh-CN" altLang="en-US"/>
-              <a:t>作者用杂合子样本，那要是没有等位基因怎么办？方法不具有普适性。</a:t>
-            </a:r>
-            <a:endParaRPr lang="en-US" altLang="zh-CN"/>
+              <a:t>SNP</a:t>
+            </a:r>
+            <a:r>
+              <a:rPr lang="zh-CN" altLang="en-US"/>
+              <a:t>的杂合，等位</a:t>
+            </a:r>
+            <a:r>
+              <a:rPr lang="en-US" altLang="zh-CN"/>
+              <a:t>SNP</a:t>
+            </a:r>
+            <a:r>
+              <a:rPr lang="zh-CN" altLang="en-US"/>
+              <a:t>指的不是处于同源染色体上，而是</a:t>
+            </a:r>
+            <a:r>
+              <a:rPr lang="en-US" altLang="zh-CN"/>
+              <a:t>SNP</a:t>
+            </a:r>
+            <a:r>
+              <a:rPr lang="zh-CN" altLang="en-US"/>
+              <a:t>的</a:t>
+            </a:r>
+            <a:r>
+              <a:rPr lang="en-US" altLang="zh-CN"/>
+              <a:t>ATCG</a:t>
+            </a:r>
+            <a:r>
+              <a:rPr lang="zh-CN" altLang="en-US"/>
+              <a:t>的碱基差别。</a:t>
+            </a:r>
+            <a:endParaRPr lang="zh-CN" altLang="en-US"/>
           </a:p>
           <a:p>
             <a:r>
@@ -6559,15 +6561,11 @@
             </a:r>
             <a:r>
               <a:rPr lang="zh-CN" altLang="en-US"/>
-              <a:t>在顺式作用时促进转录因子结合的等位基因（</a:t>
+              <a:t>在顺式作用时促进转录因子结合的等位</a:t>
             </a:r>
             <a:r>
               <a:rPr lang="en-US" altLang="zh-CN"/>
               <a:t>SNP</a:t>
-            </a:r>
-            <a:r>
-              <a:rPr lang="zh-CN" altLang="en-US"/>
-              <a:t>）</a:t>
             </a:r>
             <a:r>
               <a:rPr lang="zh-CN" altLang="en-US"/>
